--- a/pdfs/w4/D15_.NET_Routing.pptx
+++ b/pdfs/w4/D15_.NET_Routing.pptx
@@ -367,7 +367,7 @@
           <a:p>
             <a:fld id="{9184DA70-C731-4C70-880D-CCD4705E623C}" type="datetime1">
               <a:rPr lang="en-US" smtClean="0"/>
-              <a:t>12/19/2021</a:t>
+              <a:t>12/29/2021</a:t>
             </a:fld>
             <a:endParaRPr lang="en-US" dirty="0"/>
           </a:p>
@@ -555,7 +555,7 @@
           <a:p>
             <a:fld id="{B612A279-0833-481D-8C56-F67FD0AC6C50}" type="datetime1">
               <a:rPr lang="en-US" smtClean="0"/>
-              <a:t>12/19/2021</a:t>
+              <a:t>12/29/2021</a:t>
             </a:fld>
             <a:endParaRPr lang="en-US" dirty="0"/>
           </a:p>
@@ -797,7 +797,7 @@
           <a:p>
             <a:fld id="{6587DA83-5663-4C9C-B9AA-0B40A3DAFF81}" type="datetime1">
               <a:rPr lang="en-US" smtClean="0"/>
-              <a:t>12/19/2021</a:t>
+              <a:t>12/29/2021</a:t>
             </a:fld>
             <a:endParaRPr lang="en-US" dirty="0"/>
           </a:p>
@@ -985,7 +985,7 @@
           <a:p>
             <a:fld id="{4BE1D723-8F53-4F53-90B0-1982A396982E}" type="datetime1">
               <a:rPr lang="en-US" smtClean="0"/>
-              <a:t>12/19/2021</a:t>
+              <a:t>12/29/2021</a:t>
             </a:fld>
             <a:endParaRPr lang="en-US" dirty="0"/>
           </a:p>
@@ -1358,7 +1358,7 @@
           <a:p>
             <a:fld id="{97669AF7-7BEB-44E4-9852-375E34362B5B}" type="datetime1">
               <a:rPr lang="en-US" smtClean="0"/>
-              <a:t>12/19/2021</a:t>
+              <a:t>12/29/2021</a:t>
             </a:fld>
             <a:endParaRPr lang="en-US" dirty="0"/>
           </a:p>
@@ -1613,7 +1613,7 @@
           <a:p>
             <a:fld id="{BAAAC38D-0552-4C82-B593-E6124DFADBE2}" type="datetime1">
               <a:rPr lang="en-US" smtClean="0"/>
-              <a:t>12/19/2021</a:t>
+              <a:t>12/29/2021</a:t>
             </a:fld>
             <a:endParaRPr lang="en-US" dirty="0"/>
           </a:p>
@@ -2010,7 +2010,7 @@
           <a:p>
             <a:fld id="{D9DF0F1C-5577-4ACB-BB62-DF8F3C494C7E}" type="datetime1">
               <a:rPr lang="en-US" smtClean="0"/>
-              <a:t>12/19/2021</a:t>
+              <a:t>12/29/2021</a:t>
             </a:fld>
             <a:endParaRPr lang="en-US" dirty="0"/>
           </a:p>
@@ -2146,7 +2146,7 @@
           <a:p>
             <a:fld id="{1775B394-D9F9-4F0C-B15D-605F45CB9E9F}" type="datetime1">
               <a:rPr lang="en-US" smtClean="0"/>
-              <a:t>12/19/2021</a:t>
+              <a:t>12/29/2021</a:t>
             </a:fld>
             <a:endParaRPr lang="en-US" dirty="0"/>
           </a:p>
@@ -2303,7 +2303,7 @@
           <a:p>
             <a:fld id="{39667345-2558-425A-8533-9BFDBCE15005}" type="datetime1">
               <a:rPr lang="en-US" smtClean="0"/>
-              <a:t>12/19/2021</a:t>
+              <a:t>12/29/2021</a:t>
             </a:fld>
             <a:endParaRPr lang="en-US" dirty="0"/>
           </a:p>
@@ -2632,7 +2632,7 @@
           <a:p>
             <a:fld id="{92BEA474-078D-4E9B-9B14-09A87B19DC46}" type="datetime1">
               <a:rPr lang="en-US" smtClean="0"/>
-              <a:t>12/19/2021</a:t>
+              <a:t>12/29/2021</a:t>
             </a:fld>
             <a:endParaRPr lang="en-US" dirty="0"/>
           </a:p>
@@ -2982,7 +2982,7 @@
           <a:p>
             <a:fld id="{4907D986-8816-4272-A432-0437A28A9828}" type="datetime1">
               <a:rPr lang="en-US" smtClean="0"/>
-              <a:t>12/19/2021</a:t>
+              <a:t>12/29/2021</a:t>
             </a:fld>
             <a:endParaRPr lang="en-US" dirty="0"/>
           </a:p>
@@ -3243,7 +3243,7 @@
           <a:p>
             <a:fld id="{62D6E202-B606-4609-B914-27C9371A1F6D}" type="datetime1">
               <a:rPr lang="en-US" smtClean="0"/>
-              <a:t>12/19/2021</a:t>
+              <a:t>12/29/2021</a:t>
             </a:fld>
             <a:endParaRPr lang="en-US" dirty="0"/>
           </a:p>
@@ -4101,7 +4101,7 @@
         </p:nvSpPr>
         <p:spPr>
           <a:xfrm>
-            <a:off x="1312876" y="1922781"/>
+            <a:off x="1299874" y="1922781"/>
             <a:ext cx="9842803" cy="2504076"/>
           </a:xfrm>
         </p:spPr>
@@ -4238,7 +4238,7 @@
             <a:r>
               <a:rPr lang="en-US" sz="2400" dirty="0" err="1">
                 <a:solidFill>
-                  <a:schemeClr val="tx1"/>
+                  <a:srgbClr val="FF0000"/>
                 </a:solidFill>
               </a:rPr>
               <a:t>StartUp.Configure</a:t>
@@ -4246,10 +4246,18 @@
             <a:r>
               <a:rPr lang="en-US" sz="2400" dirty="0">
                 <a:solidFill>
-                  <a:schemeClr val="tx1"/>
-                </a:solidFill>
-              </a:rPr>
-              <a:t>() code is typical for a </a:t>
+                  <a:srgbClr val="FF0000"/>
+                </a:solidFill>
+              </a:rPr>
+              <a:t>()</a:t>
+            </a:r>
+            <a:r>
+              <a:rPr lang="en-US" sz="2400" dirty="0">
+                <a:solidFill>
+                  <a:schemeClr val="tx1"/>
+                </a:solidFill>
+              </a:rPr>
+              <a:t> code is typical for a </a:t>
             </a:r>
             <a:r>
               <a:rPr lang="en-US" sz="2400" b="1" i="1" dirty="0">
@@ -6083,7 +6091,7 @@
         <p:spPr>
           <a:xfrm>
             <a:off x="1036320" y="1906211"/>
-            <a:ext cx="10119360" cy="1569376"/>
+            <a:ext cx="10191238" cy="1569376"/>
           </a:xfrm>
           <a:prstGeom prst="rect">
             <a:avLst/>
@@ -6129,7 +6137,7 @@
             </a:r>
             <a:r>
               <a:rPr lang="en-US" dirty="0"/>
-              <a:t> logically group similar </a:t>
+              <a:t> are meant to logically group similar </a:t>
             </a:r>
             <a:r>
               <a:rPr lang="en-US" b="1" i="1" dirty="0"/>
@@ -6175,19 +6183,11 @@
             </a:r>
             <a:r>
               <a:rPr lang="en-US" dirty="0"/>
-              <a:t> is responsible for the initial processing of a request and instantiation of a </a:t>
+              <a:t> is responsible for the initial processing of a request. Business decisions should be performed within the </a:t>
             </a:r>
             <a:r>
               <a:rPr lang="en-US" b="1" i="1" dirty="0"/>
-              <a:t>Model</a:t>
-            </a:r>
-            <a:r>
-              <a:rPr lang="en-US" dirty="0"/>
-              <a:t>. Business decisions should be performed within the </a:t>
-            </a:r>
-            <a:r>
-              <a:rPr lang="en-US" b="1" i="1" dirty="0"/>
-              <a:t>Model </a:t>
+              <a:t>Model (Business/Domain) </a:t>
             </a:r>
             <a:r>
               <a:rPr lang="en-US" dirty="0"/>
@@ -6770,7 +6770,7 @@
         </p:blipFill>
         <p:spPr>
           <a:xfrm>
-            <a:off x="6915955" y="2014663"/>
+            <a:off x="6915955" y="2001015"/>
             <a:ext cx="3620617" cy="4651443"/>
           </a:xfrm>
           <a:prstGeom prst="rect">
@@ -7730,7 +7730,7 @@
           <p:nvPr>
             <p:extLst>
               <p:ext uri="{D42A27DB-BD31-4B8C-83A1-F6EECF244321}">
-                <p14:modId xmlns:p14="http://schemas.microsoft.com/office/powerpoint/2010/main" val="2395829021"/>
+                <p14:modId xmlns:p14="http://schemas.microsoft.com/office/powerpoint/2010/main" val="3222461759"/>
               </p:ext>
             </p:extLst>
           </p:nvPr>
